--- a/IToUp/Курсовая.pptx
+++ b/IToUp/Курсовая.pptx
@@ -3125,7 +3125,7 @@
         </p:nvSpPr>
         <p:spPr>
           <a:xfrm>
-            <a:off x="6411781" y="4245671"/>
+            <a:off x="7169162" y="4559707"/>
             <a:ext cx="5176161" cy="1938992"/>
           </a:xfrm>
           <a:prstGeom prst="rect">
@@ -3139,7 +3139,6 @@
           </a:bodyPr>
           <a:lstStyle/>
           <a:p>
-            <a:pPr algn="r"/>
             <a:r>
               <a:rPr lang="ru-RU" sz="2000" dirty="0" smtClean="0">
                 <a:latin typeface="Times New Roman" panose="02020603050405020304" pitchFamily="18" charset="0"/>
@@ -3149,7 +3148,6 @@
             </a:r>
           </a:p>
           <a:p>
-            <a:pPr algn="r"/>
             <a:r>
               <a:rPr lang="ru-RU" sz="2000" dirty="0" smtClean="0">
                 <a:latin typeface="Times New Roman" panose="02020603050405020304" pitchFamily="18" charset="0"/>
@@ -3159,7 +3157,6 @@
             </a:r>
           </a:p>
           <a:p>
-            <a:pPr algn="r"/>
             <a:r>
               <a:rPr lang="ru-RU" sz="2000" dirty="0" smtClean="0">
                 <a:latin typeface="Times New Roman" panose="02020603050405020304" pitchFamily="18" charset="0"/>
@@ -3169,7 +3166,6 @@
             </a:r>
           </a:p>
           <a:p>
-            <a:pPr algn="r"/>
             <a:r>
               <a:rPr lang="ru-RU" sz="2000" dirty="0" smtClean="0">
                 <a:latin typeface="Times New Roman" panose="02020603050405020304" pitchFamily="18" charset="0"/>
@@ -3179,7 +3175,6 @@
             </a:r>
           </a:p>
           <a:p>
-            <a:pPr algn="r"/>
             <a:r>
               <a:rPr lang="ru-RU" sz="2000" dirty="0" smtClean="0">
                 <a:latin typeface="Times New Roman" panose="02020603050405020304" pitchFamily="18" charset="0"/>
@@ -3189,7 +3184,6 @@
             </a:r>
           </a:p>
           <a:p>
-            <a:pPr algn="r"/>
             <a:r>
               <a:rPr lang="ru-RU" sz="2000" dirty="0" smtClean="0">
                 <a:latin typeface="Times New Roman" panose="02020603050405020304" pitchFamily="18" charset="0"/>
@@ -3612,8 +3606,45 @@
                 <a:latin typeface="Times New Roman" panose="02020603050405020304" pitchFamily="18" charset="0"/>
                 <a:cs typeface="Times New Roman" panose="02020603050405020304" pitchFamily="18" charset="0"/>
               </a:rPr>
-              <a:t>Объектом исследования является процесс разработки сайта.</a:t>
-            </a:r>
+              <a:t>Объектом исследования </a:t>
+            </a:r>
+            <a:r>
+              <a:rPr lang="ru-RU" sz="2800" dirty="0" smtClean="0">
+                <a:solidFill>
+                  <a:schemeClr val="tx1"/>
+                </a:solidFill>
+                <a:latin typeface="Times New Roman" panose="02020603050405020304" pitchFamily="18" charset="0"/>
+                <a:cs typeface="Times New Roman" panose="02020603050405020304" pitchFamily="18" charset="0"/>
+              </a:rPr>
+              <a:t> «</a:t>
+            </a:r>
+            <a:r>
+              <a:rPr lang="en-US" sz="2800" dirty="0" smtClean="0">
+                <a:solidFill>
+                  <a:schemeClr val="tx1"/>
+                </a:solidFill>
+                <a:latin typeface="Times New Roman" panose="02020603050405020304" pitchFamily="18" charset="0"/>
+                <a:cs typeface="Times New Roman" panose="02020603050405020304" pitchFamily="18" charset="0"/>
+              </a:rPr>
+              <a:t>DNS</a:t>
+            </a:r>
+            <a:r>
+              <a:rPr lang="ru-RU" sz="2800" dirty="0" smtClean="0">
+                <a:solidFill>
+                  <a:schemeClr val="tx1"/>
+                </a:solidFill>
+                <a:latin typeface="Times New Roman" panose="02020603050405020304" pitchFamily="18" charset="0"/>
+                <a:cs typeface="Times New Roman" panose="02020603050405020304" pitchFamily="18" charset="0"/>
+              </a:rPr>
+              <a:t>».</a:t>
+            </a:r>
+            <a:endParaRPr lang="ru-RU" sz="2800" dirty="0">
+              <a:solidFill>
+                <a:schemeClr val="tx1"/>
+              </a:solidFill>
+              <a:latin typeface="Times New Roman" panose="02020603050405020304" pitchFamily="18" charset="0"/>
+              <a:cs typeface="Times New Roman" panose="02020603050405020304" pitchFamily="18" charset="0"/>
+            </a:endParaRPr>
           </a:p>
           <a:p>
             <a:pPr marL="0" indent="450000" algn="just">
@@ -3911,7 +3942,7 @@
         </p:blipFill>
         <p:spPr bwMode="auto">
           <a:xfrm>
-            <a:off x="6705601" y="3711403"/>
+            <a:off x="6253019" y="3864585"/>
             <a:ext cx="3998421" cy="2998816"/>
           </a:xfrm>
           <a:prstGeom prst="rect">
@@ -3980,204 +4011,116 @@
           </a:bodyPr>
           <a:lstStyle/>
           <a:p>
-            <a:pPr marL="0" lvl="0" indent="450000" algn="just">
-              <a:lnSpc>
-                <a:spcPct val="90000"/>
-              </a:lnSpc>
-              <a:spcBef>
-                <a:spcPts val="0"/>
-              </a:spcBef>
+            <a:pPr marL="514350" lvl="0" indent="-514350">
               <a:buFont typeface="+mj-lt"/>
-              <a:buAutoNum type="arabicPeriod"/>
+              <a:buAutoNum type="arabicParenR"/>
             </a:pPr>
             <a:r>
-              <a:rPr lang="ru-RU" sz="2800" dirty="0" smtClean="0">
-                <a:solidFill>
-                  <a:schemeClr val="tx1"/>
-                </a:solidFill>
-                <a:latin typeface="Times New Roman" panose="02020603050405020304" pitchFamily="18" charset="0"/>
-                <a:cs typeface="Times New Roman" panose="02020603050405020304" pitchFamily="18" charset="0"/>
-              </a:rPr>
-              <a:t>Разработка проекта.</a:t>
-            </a:r>
-          </a:p>
-          <a:p>
-            <a:pPr marL="0" lvl="0" indent="450000" algn="just">
-              <a:lnSpc>
-                <a:spcPct val="90000"/>
-              </a:lnSpc>
-              <a:spcBef>
-                <a:spcPts val="0"/>
-              </a:spcBef>
+              <a:rPr lang="ru-RU" dirty="0"/>
+              <a:t>изучение теоретического материала; </a:t>
+            </a:r>
+          </a:p>
+          <a:p>
+            <a:pPr marL="514350" lvl="0" indent="-514350">
               <a:buFont typeface="+mj-lt"/>
-              <a:buAutoNum type="arabicPeriod"/>
+              <a:buAutoNum type="arabicParenR"/>
             </a:pPr>
             <a:r>
-              <a:rPr lang="ru-RU" sz="2800" dirty="0" smtClean="0">
-                <a:solidFill>
-                  <a:schemeClr val="tx1"/>
-                </a:solidFill>
-                <a:latin typeface="Times New Roman" panose="02020603050405020304" pitchFamily="18" charset="0"/>
-                <a:cs typeface="Times New Roman" panose="02020603050405020304" pitchFamily="18" charset="0"/>
-              </a:rPr>
-              <a:t>Изучение теоретического материала.</a:t>
-            </a:r>
-          </a:p>
-          <a:p>
-            <a:pPr marL="0" lvl="0" indent="450000" algn="just">
-              <a:lnSpc>
-                <a:spcPct val="90000"/>
-              </a:lnSpc>
-              <a:spcBef>
-                <a:spcPts val="0"/>
-              </a:spcBef>
+              <a:rPr lang="ru-RU" dirty="0"/>
+              <a:t>разработка проекта; </a:t>
+            </a:r>
+          </a:p>
+          <a:p>
+            <a:pPr marL="514350" lvl="0" indent="-514350">
               <a:buFont typeface="+mj-lt"/>
-              <a:buAutoNum type="arabicPeriod"/>
+              <a:buAutoNum type="arabicParenR"/>
             </a:pPr>
             <a:r>
-              <a:rPr lang="ru-RU" sz="2800" dirty="0" smtClean="0">
-                <a:solidFill>
-                  <a:schemeClr val="tx1"/>
-                </a:solidFill>
-                <a:latin typeface="Times New Roman" panose="02020603050405020304" pitchFamily="18" charset="0"/>
-                <a:cs typeface="Times New Roman" panose="02020603050405020304" pitchFamily="18" charset="0"/>
-              </a:rPr>
-              <a:t>Создание сайта</a:t>
-            </a:r>
-            <a:endParaRPr lang="ru-RU" sz="2800" dirty="0">
-              <a:solidFill>
-                <a:schemeClr val="tx1"/>
-              </a:solidFill>
-              <a:latin typeface="Times New Roman" panose="02020603050405020304" pitchFamily="18" charset="0"/>
-              <a:cs typeface="Times New Roman" panose="02020603050405020304" pitchFamily="18" charset="0"/>
-            </a:endParaRPr>
-          </a:p>
-          <a:p>
-            <a:pPr marL="0" lvl="0" indent="450000" algn="just">
-              <a:lnSpc>
-                <a:spcPct val="90000"/>
-              </a:lnSpc>
-              <a:spcBef>
-                <a:spcPts val="0"/>
-              </a:spcBef>
+              <a:rPr lang="ru-RU" dirty="0"/>
+              <a:t>создание сайта; </a:t>
+            </a:r>
+          </a:p>
+          <a:p>
+            <a:pPr marL="514350" lvl="0" indent="-514350">
               <a:buFont typeface="+mj-lt"/>
-              <a:buAutoNum type="arabicPeriod"/>
+              <a:buAutoNum type="arabicParenR"/>
             </a:pPr>
             <a:r>
-              <a:rPr lang="ru-RU" sz="2800" dirty="0" smtClean="0">
-                <a:solidFill>
-                  <a:schemeClr val="tx1"/>
-                </a:solidFill>
-                <a:latin typeface="Times New Roman" panose="02020603050405020304" pitchFamily="18" charset="0"/>
-                <a:cs typeface="Times New Roman" panose="02020603050405020304" pitchFamily="18" charset="0"/>
-              </a:rPr>
-              <a:t>Освоение технологий создания сайтов на </a:t>
-            </a:r>
-            <a:r>
-              <a:rPr lang="en-US" sz="2800" dirty="0" smtClean="0">
-                <a:solidFill>
-                  <a:schemeClr val="tx1"/>
-                </a:solidFill>
-                <a:latin typeface="Times New Roman" panose="02020603050405020304" pitchFamily="18" charset="0"/>
-                <a:cs typeface="Times New Roman" panose="02020603050405020304" pitchFamily="18" charset="0"/>
-              </a:rPr>
+              <a:rPr lang="ru-RU" dirty="0"/>
+              <a:t>освоение технологии создания сайтов на </a:t>
+            </a:r>
+            <a:r>
+              <a:rPr lang="en-US" dirty="0"/>
               <a:t>HTML</a:t>
             </a:r>
             <a:r>
-              <a:rPr lang="ru-RU" sz="2800" dirty="0" smtClean="0">
-                <a:solidFill>
-                  <a:schemeClr val="tx1"/>
-                </a:solidFill>
-                <a:latin typeface="Times New Roman" panose="02020603050405020304" pitchFamily="18" charset="0"/>
-                <a:cs typeface="Times New Roman" panose="02020603050405020304" pitchFamily="18" charset="0"/>
-              </a:rPr>
+              <a:rPr lang="ru-RU" dirty="0"/>
+              <a:t> и </a:t>
+            </a:r>
+            <a:r>
+              <a:rPr lang="en-US" dirty="0"/>
+              <a:t>CSS</a:t>
+            </a:r>
+            <a:r>
+              <a:rPr lang="ru-RU" dirty="0"/>
+              <a:t>;</a:t>
+            </a:r>
+          </a:p>
+          <a:p>
+            <a:pPr marL="514350" lvl="0" indent="-514350">
+              <a:buFont typeface="+mj-lt"/>
+              <a:buAutoNum type="arabicParenR"/>
+            </a:pPr>
+            <a:r>
+              <a:rPr lang="ru-RU" dirty="0"/>
+              <a:t>улучшение понимания работы интернет магазинов;</a:t>
+            </a:r>
+          </a:p>
+          <a:p>
+            <a:pPr marL="514350" lvl="0" indent="-514350">
+              <a:buFont typeface="+mj-lt"/>
+              <a:buAutoNum type="arabicParenR"/>
+            </a:pPr>
+            <a:r>
+              <a:rPr lang="ru-RU" dirty="0"/>
+              <a:t>улучшение понимания программирования на </a:t>
+            </a:r>
+            <a:r>
+              <a:rPr lang="en-US" dirty="0"/>
+              <a:t>PHP</a:t>
+            </a:r>
+            <a:r>
+              <a:rPr lang="ru-RU" dirty="0"/>
               <a:t>, </a:t>
             </a:r>
             <a:r>
-              <a:rPr lang="en-US" sz="2800" dirty="0" smtClean="0">
-                <a:solidFill>
-                  <a:schemeClr val="tx1"/>
-                </a:solidFill>
-                <a:latin typeface="Times New Roman" panose="02020603050405020304" pitchFamily="18" charset="0"/>
-                <a:cs typeface="Times New Roman" panose="02020603050405020304" pitchFamily="18" charset="0"/>
-              </a:rPr>
-              <a:t>CSS</a:t>
-            </a:r>
-            <a:endParaRPr lang="ru-RU" sz="2800" dirty="0">
-              <a:solidFill>
-                <a:schemeClr val="tx1"/>
-              </a:solidFill>
-              <a:latin typeface="Times New Roman" panose="02020603050405020304" pitchFamily="18" charset="0"/>
-              <a:cs typeface="Times New Roman" panose="02020603050405020304" pitchFamily="18" charset="0"/>
-            </a:endParaRPr>
-          </a:p>
-          <a:p>
-            <a:pPr marL="0" lvl="0" indent="450000" algn="just">
-              <a:lnSpc>
-                <a:spcPct val="90000"/>
-              </a:lnSpc>
-              <a:spcBef>
-                <a:spcPts val="0"/>
-              </a:spcBef>
+              <a:rPr lang="en-US" dirty="0"/>
+              <a:t>JS</a:t>
+            </a:r>
+            <a:r>
+              <a:rPr lang="ru-RU" dirty="0"/>
+              <a:t>;</a:t>
+            </a:r>
+          </a:p>
+          <a:p>
+            <a:pPr marL="514350" lvl="0" indent="-514350">
               <a:buFont typeface="+mj-lt"/>
-              <a:buAutoNum type="arabicPeriod"/>
+              <a:buAutoNum type="arabicParenR"/>
             </a:pPr>
             <a:r>
-              <a:rPr lang="ru-RU" sz="2800" dirty="0" smtClean="0">
-                <a:solidFill>
-                  <a:schemeClr val="tx1"/>
-                </a:solidFill>
-                <a:latin typeface="Times New Roman" panose="02020603050405020304" pitchFamily="18" charset="0"/>
-                <a:cs typeface="Times New Roman" panose="02020603050405020304" pitchFamily="18" charset="0"/>
-              </a:rPr>
-              <a:t>Улучшение понимания работы интернет магазинов.</a:t>
-            </a:r>
-            <a:endParaRPr lang="ru-RU" sz="2800" dirty="0">
-              <a:solidFill>
-                <a:schemeClr val="tx1"/>
-              </a:solidFill>
-              <a:latin typeface="Times New Roman" panose="02020603050405020304" pitchFamily="18" charset="0"/>
-              <a:cs typeface="Times New Roman" panose="02020603050405020304" pitchFamily="18" charset="0"/>
-            </a:endParaRPr>
-          </a:p>
-          <a:p>
-            <a:pPr marL="0" lvl="0" indent="450000" algn="just">
-              <a:lnSpc>
-                <a:spcPct val="90000"/>
-              </a:lnSpc>
-              <a:spcBef>
-                <a:spcPts val="0"/>
-              </a:spcBef>
+              <a:rPr lang="ru-RU" dirty="0"/>
+              <a:t>улучшение понимания работы поисковых роботов;</a:t>
+            </a:r>
+          </a:p>
+          <a:p>
+            <a:pPr marL="514350" lvl="0" indent="-514350">
               <a:buFont typeface="+mj-lt"/>
-              <a:buAutoNum type="arabicPeriod"/>
+              <a:buAutoNum type="arabicParenR"/>
             </a:pPr>
             <a:r>
-              <a:rPr lang="ru-RU" sz="2800" dirty="0" smtClean="0">
-                <a:solidFill>
-                  <a:schemeClr val="tx1"/>
-                </a:solidFill>
-                <a:latin typeface="Times New Roman" panose="02020603050405020304" pitchFamily="18" charset="0"/>
-                <a:cs typeface="Times New Roman" panose="02020603050405020304" pitchFamily="18" charset="0"/>
-              </a:rPr>
-              <a:t>Увеличение количества опыта программирования на </a:t>
-            </a:r>
-            <a:r>
-              <a:rPr lang="en-US" sz="2800" dirty="0" smtClean="0">
-                <a:solidFill>
-                  <a:schemeClr val="tx1"/>
-                </a:solidFill>
-                <a:latin typeface="Times New Roman" panose="02020603050405020304" pitchFamily="18" charset="0"/>
-                <a:cs typeface="Times New Roman" panose="02020603050405020304" pitchFamily="18" charset="0"/>
-              </a:rPr>
-              <a:t>PHP, JS.</a:t>
-            </a:r>
-            <a:endParaRPr lang="ru-RU" sz="2800" dirty="0">
-              <a:solidFill>
-                <a:schemeClr val="tx1"/>
-              </a:solidFill>
-              <a:latin typeface="Times New Roman" panose="02020603050405020304" pitchFamily="18" charset="0"/>
-              <a:cs typeface="Times New Roman" panose="02020603050405020304" pitchFamily="18" charset="0"/>
-            </a:endParaRPr>
+              <a:rPr lang="ru-RU" dirty="0"/>
+              <a:t>обобщение опыта курсовой, путем анализа мозговым штурмом.</a:t>
+            </a:r>
           </a:p>
         </p:txBody>
       </p:sp>

--- a/IToUp/Курсовая.pptx
+++ b/IToUp/Курсовая.pptx
@@ -272,7 +272,7 @@
           <a:p>
             <a:fld id="{3C4E580D-106E-42A7-8C08-625E4E6F9F4A}" type="datetimeFigureOut">
               <a:rPr lang="ru-RU" smtClean="0"/>
-              <a:t>12.04.2021</a:t>
+              <a:t>13.04.2021</a:t>
             </a:fld>
             <a:endParaRPr lang="ru-RU"/>
           </a:p>
@@ -442,7 +442,7 @@
           <a:p>
             <a:fld id="{3C4E580D-106E-42A7-8C08-625E4E6F9F4A}" type="datetimeFigureOut">
               <a:rPr lang="ru-RU" smtClean="0"/>
-              <a:t>12.04.2021</a:t>
+              <a:t>13.04.2021</a:t>
             </a:fld>
             <a:endParaRPr lang="ru-RU"/>
           </a:p>
@@ -622,7 +622,7 @@
           <a:p>
             <a:fld id="{3C4E580D-106E-42A7-8C08-625E4E6F9F4A}" type="datetimeFigureOut">
               <a:rPr lang="ru-RU" smtClean="0"/>
-              <a:t>12.04.2021</a:t>
+              <a:t>13.04.2021</a:t>
             </a:fld>
             <a:endParaRPr lang="ru-RU"/>
           </a:p>
@@ -792,7 +792,7 @@
           <a:p>
             <a:fld id="{3C4E580D-106E-42A7-8C08-625E4E6F9F4A}" type="datetimeFigureOut">
               <a:rPr lang="ru-RU" smtClean="0"/>
-              <a:t>12.04.2021</a:t>
+              <a:t>13.04.2021</a:t>
             </a:fld>
             <a:endParaRPr lang="ru-RU"/>
           </a:p>
@@ -1038,7 +1038,7 @@
           <a:p>
             <a:fld id="{3C4E580D-106E-42A7-8C08-625E4E6F9F4A}" type="datetimeFigureOut">
               <a:rPr lang="ru-RU" smtClean="0"/>
-              <a:t>12.04.2021</a:t>
+              <a:t>13.04.2021</a:t>
             </a:fld>
             <a:endParaRPr lang="ru-RU"/>
           </a:p>
@@ -1270,7 +1270,7 @@
           <a:p>
             <a:fld id="{3C4E580D-106E-42A7-8C08-625E4E6F9F4A}" type="datetimeFigureOut">
               <a:rPr lang="ru-RU" smtClean="0"/>
-              <a:t>12.04.2021</a:t>
+              <a:t>13.04.2021</a:t>
             </a:fld>
             <a:endParaRPr lang="ru-RU"/>
           </a:p>
@@ -1637,7 +1637,7 @@
           <a:p>
             <a:fld id="{3C4E580D-106E-42A7-8C08-625E4E6F9F4A}" type="datetimeFigureOut">
               <a:rPr lang="ru-RU" smtClean="0"/>
-              <a:t>12.04.2021</a:t>
+              <a:t>13.04.2021</a:t>
             </a:fld>
             <a:endParaRPr lang="ru-RU"/>
           </a:p>
@@ -1755,7 +1755,7 @@
           <a:p>
             <a:fld id="{3C4E580D-106E-42A7-8C08-625E4E6F9F4A}" type="datetimeFigureOut">
               <a:rPr lang="ru-RU" smtClean="0"/>
-              <a:t>12.04.2021</a:t>
+              <a:t>13.04.2021</a:t>
             </a:fld>
             <a:endParaRPr lang="ru-RU"/>
           </a:p>
@@ -1850,7 +1850,7 @@
           <a:p>
             <a:fld id="{3C4E580D-106E-42A7-8C08-625E4E6F9F4A}" type="datetimeFigureOut">
               <a:rPr lang="ru-RU" smtClean="0"/>
-              <a:t>12.04.2021</a:t>
+              <a:t>13.04.2021</a:t>
             </a:fld>
             <a:endParaRPr lang="ru-RU"/>
           </a:p>
@@ -2127,7 +2127,7 @@
           <a:p>
             <a:fld id="{3C4E580D-106E-42A7-8C08-625E4E6F9F4A}" type="datetimeFigureOut">
               <a:rPr lang="ru-RU" smtClean="0"/>
-              <a:t>12.04.2021</a:t>
+              <a:t>13.04.2021</a:t>
             </a:fld>
             <a:endParaRPr lang="ru-RU"/>
           </a:p>
@@ -2380,7 +2380,7 @@
           <a:p>
             <a:fld id="{3C4E580D-106E-42A7-8C08-625E4E6F9F4A}" type="datetimeFigureOut">
               <a:rPr lang="ru-RU" smtClean="0"/>
-              <a:t>12.04.2021</a:t>
+              <a:t>13.04.2021</a:t>
             </a:fld>
             <a:endParaRPr lang="ru-RU"/>
           </a:p>
@@ -2593,7 +2593,7 @@
           <a:p>
             <a:fld id="{3C4E580D-106E-42A7-8C08-625E4E6F9F4A}" type="datetimeFigureOut">
               <a:rPr lang="ru-RU" smtClean="0"/>
-              <a:t>12.04.2021</a:t>
+              <a:t>13.04.2021</a:t>
             </a:fld>
             <a:endParaRPr lang="ru-RU"/>
           </a:p>
@@ -3101,14 +3101,35 @@
                 <a:latin typeface="Times New Roman" panose="02020603050405020304" pitchFamily="18" charset="0"/>
                 <a:cs typeface="Times New Roman" panose="02020603050405020304" pitchFamily="18" charset="0"/>
               </a:rPr>
-              <a:t>Разработка сайта </a:t>
+              <a:t>Разработка сайта по продаже </a:t>
             </a:r>
             <a:r>
               <a:rPr lang="ru-RU" sz="3200" dirty="0">
                 <a:latin typeface="Times New Roman" panose="02020603050405020304" pitchFamily="18" charset="0"/>
                 <a:cs typeface="Times New Roman" panose="02020603050405020304" pitchFamily="18" charset="0"/>
               </a:rPr>
-              <a:t>магазина по продаже офисной технике «DNS»»</a:t>
+              <a:t>офисной </a:t>
+            </a:r>
+            <a:r>
+              <a:rPr lang="ru-RU" sz="3200" dirty="0" smtClean="0">
+                <a:latin typeface="Times New Roman" panose="02020603050405020304" pitchFamily="18" charset="0"/>
+                <a:cs typeface="Times New Roman" panose="02020603050405020304" pitchFamily="18" charset="0"/>
+              </a:rPr>
+              <a:t>техники </a:t>
+            </a:r>
+            <a:r>
+              <a:rPr lang="ru-RU" sz="3200" dirty="0">
+                <a:latin typeface="Times New Roman" panose="02020603050405020304" pitchFamily="18" charset="0"/>
+                <a:cs typeface="Times New Roman" panose="02020603050405020304" pitchFamily="18" charset="0"/>
+              </a:rPr>
+              <a:t>магазина </a:t>
+            </a:r>
+            <a:r>
+              <a:rPr lang="ru-RU" sz="3200" dirty="0" smtClean="0">
+                <a:latin typeface="Times New Roman" panose="02020603050405020304" pitchFamily="18" charset="0"/>
+                <a:cs typeface="Times New Roman" panose="02020603050405020304" pitchFamily="18" charset="0"/>
+              </a:rPr>
+              <a:t>«DNS»»</a:t>
             </a:r>
             <a:endParaRPr lang="ru-RU" sz="4800" dirty="0">
               <a:latin typeface="Times New Roman" panose="02020603050405020304" pitchFamily="18" charset="0"/>
